--- a/Data-Visualization/Infografik.pptx
+++ b/Data-Visualization/Infografik.pptx
@@ -104,6 +104,11 @@
       </a:defRPr>
     </a:lvl9pPr>
   </p:defaultTextStyle>
+  <p:extLst>
+    <p:ext uri="{EFAFB233-063F-42B5-8137-9DF3F51BA10A}">
+      <p15:sldGuideLst xmlns:p15="http://schemas.microsoft.com/office/powerpoint/2012/main"/>
+    </p:ext>
+  </p:extLst>
 </p:presentation>
 </file>
 
@@ -3789,7 +3794,16 @@
           <a:prstGeom prst="rect">
             <a:avLst/>
           </a:prstGeom>
-          <a:noFill/>
+          <a:solidFill>
+            <a:srgbClr val="C00000">
+              <a:alpha val="25098"/>
+            </a:srgbClr>
+          </a:solidFill>
+          <a:ln>
+            <a:solidFill>
+              <a:schemeClr val="tx1"/>
+            </a:solidFill>
+          </a:ln>
         </p:spPr>
         <p:txBody>
           <a:bodyPr wrap="square" rtlCol="0">
@@ -3824,7 +3838,16 @@
           <a:prstGeom prst="rect">
             <a:avLst/>
           </a:prstGeom>
-          <a:noFill/>
+          <a:solidFill>
+            <a:srgbClr val="C00000">
+              <a:alpha val="25098"/>
+            </a:srgbClr>
+          </a:solidFill>
+          <a:ln>
+            <a:solidFill>
+              <a:schemeClr val="tx1"/>
+            </a:solidFill>
+          </a:ln>
         </p:spPr>
         <p:txBody>
           <a:bodyPr wrap="square" rtlCol="0">
